--- a/Implementation/VideoPrep/VideoMidtermPP_Version1.pptx
+++ b/Implementation/VideoPrep/VideoMidtermPP_Version1.pptx
@@ -224,7 +224,7 @@
           <a:p>
             <a:fld id="{99D95F23-E6B4-4B77-9C20-A648CBEADD26}" type="datetimeFigureOut">
               <a:rPr lang="en-CA" smtClean="0"/>
-              <a:t>2025-11-06</a:t>
+              <a:t>2025-11-07</a:t>
             </a:fld>
             <a:endParaRPr lang="en-CA"/>
           </a:p>
@@ -2243,7 +2243,7 @@
           <a:p>
             <a:fld id="{24780C45-AECF-4FAD-8B8B-95DBD0DE8B66}" type="datetimeFigureOut">
               <a:rPr lang="en-US" smtClean="0"/>
-              <a:t>11/6/2025</a:t>
+              <a:t>11/7/2025</a:t>
             </a:fld>
             <a:endParaRPr lang="en-US" dirty="0"/>
           </a:p>
@@ -2520,7 +2520,7 @@
           <a:p>
             <a:fld id="{24780C45-AECF-4FAD-8B8B-95DBD0DE8B66}" type="datetimeFigureOut">
               <a:rPr lang="en-US" smtClean="0"/>
-              <a:t>11/6/2025</a:t>
+              <a:t>11/7/2025</a:t>
             </a:fld>
             <a:endParaRPr lang="en-US" dirty="0"/>
           </a:p>
@@ -2949,7 +2949,7 @@
           <a:p>
             <a:fld id="{24780C45-AECF-4FAD-8B8B-95DBD0DE8B66}" type="datetimeFigureOut">
               <a:rPr lang="en-US" smtClean="0"/>
-              <a:t>11/6/2025</a:t>
+              <a:t>11/7/2025</a:t>
             </a:fld>
             <a:endParaRPr lang="en-US" dirty="0"/>
           </a:p>
@@ -3381,7 +3381,7 @@
           <a:p>
             <a:fld id="{24780C45-AECF-4FAD-8B8B-95DBD0DE8B66}" type="datetimeFigureOut">
               <a:rPr lang="en-US" smtClean="0"/>
-              <a:t>11/6/2025</a:t>
+              <a:t>11/7/2025</a:t>
             </a:fld>
             <a:endParaRPr lang="en-US" dirty="0"/>
           </a:p>
@@ -3879,7 +3879,7 @@
           <a:p>
             <a:fld id="{24780C45-AECF-4FAD-8B8B-95DBD0DE8B66}" type="datetimeFigureOut">
               <a:rPr lang="en-US" smtClean="0"/>
-              <a:t>11/6/2025</a:t>
+              <a:t>11/7/2025</a:t>
             </a:fld>
             <a:endParaRPr lang="en-US" dirty="0"/>
           </a:p>
@@ -6303,10 +6303,30 @@
           </a:bodyPr>
           <a:lstStyle/>
           <a:p>
-            <a:pPr algn="l">
+            <a:pPr>
               <a:buFont typeface="Arial" panose="020B0604020202020204" pitchFamily="34" charset="0"/>
               <a:buChar char="•"/>
             </a:pPr>
+            <a:r>
+              <a:rPr lang="en-US" dirty="0"/>
+              <a:t>Kimball architecture, developed by Ralph Kimball, is a data warehousing methodology that uses a bottom-up approach and dimensional modelling to create a data warehouse optimized for reporting and analytics. It involves building data marts for specific business processes first, then integrating them into a unified warehouse. The core of the design is the star schema, where a central </a:t>
+            </a:r>
+            <a:r>
+              <a:rPr lang="en-US" b="1" dirty="0"/>
+              <a:t>fact table</a:t>
+            </a:r>
+            <a:r>
+              <a:rPr lang="en-US" dirty="0"/>
+              <a:t> (containing business measurements) is surrounded by </a:t>
+            </a:r>
+            <a:r>
+              <a:rPr lang="en-US" b="1" dirty="0"/>
+              <a:t>dimension tables</a:t>
+            </a:r>
+            <a:r>
+              <a:rPr lang="en-US" dirty="0"/>
+              <a:t> (providing context). </a:t>
+            </a:r>
             <a:endParaRPr lang="pt-BR" dirty="0"/>
           </a:p>
         </p:txBody>
@@ -6881,15 +6901,6 @@
 </file>
 
 <file path=customXml/item1.xml><?xml version="1.0" encoding="utf-8"?>
-<?mso-contentType ?>
-<FormTemplates xmlns="http://schemas.microsoft.com/sharepoint/v3/contenttype/forms">
-  <Display>DocumentLibraryForm</Display>
-  <Edit>DocumentLibraryForm</Edit>
-  <New>DocumentLibraryForm</New>
-</FormTemplates>
-</file>
-
-<file path=customXml/item2.xml><?xml version="1.0" encoding="utf-8"?>
 <ct:contentTypeSchema xmlns:ct="http://schemas.microsoft.com/office/2006/metadata/contentType" xmlns:ma="http://schemas.microsoft.com/office/2006/metadata/properties/metaAttributes" ct:_="" ma:_="" ma:contentTypeName="Document" ma:contentTypeID="0x010100A2D6A58CC2F6ED48978BB0E219D882FE" ma:contentTypeVersion="15" ma:contentTypeDescription="Create a new document." ma:contentTypeScope="" ma:versionID="465ec951d395a5511723374ac8df8db1">
   <xsd:schema xmlns:xsd="http://www.w3.org/2001/XMLSchema" xmlns:xs="http://www.w3.org/2001/XMLSchema" xmlns:p="http://schemas.microsoft.com/office/2006/metadata/properties" xmlns:ns1="http://schemas.microsoft.com/sharepoint/v3" xmlns:ns2="27c54064-dfe0-4b79-bd20-5c123c2ef50b" xmlns:ns3="372fa088-4b66-4617-950a-58110b5482bf" targetNamespace="http://schemas.microsoft.com/office/2006/metadata/properties" ma:root="true" ma:fieldsID="070b4f8718f51bab46a4aad2a32a4e93" ns1:_="" ns2:_="" ns3:_="">
     <xsd:import namespace="http://schemas.microsoft.com/sharepoint/v3"/>
@@ -7113,7 +7124,20 @@
 </ct:contentTypeSchema>
 </file>
 
+<file path=customXml/item2.xml><?xml version="1.0" encoding="utf-8"?>
+<?mso-contentType ?>
+<FormTemplates xmlns="http://schemas.microsoft.com/sharepoint/v3/contenttype/forms">
+  <Display>DocumentLibraryForm</Display>
+  <Edit>DocumentLibraryForm</Edit>
+  <New>DocumentLibraryForm</New>
+</FormTemplates>
+</file>
+
 <file path=customXml/item3.xml><?xml version="1.0" encoding="utf-8"?>
+<sisl xmlns:xsd="http://www.w3.org/2001/XMLSchema" xmlns:xsi="http://www.w3.org/2001/XMLSchema-instance" xmlns="http://www.boldonjames.com/2008/01/sie/internal/label" sislVersion="0" policy="a66f0b0a-e2d4-4059-810c-127573d4cb4e" origin="userSelected"/>
+</file>
+
+<file path=customXml/item4.xml><?xml version="1.0" encoding="utf-8"?>
 <p:properties xmlns:p="http://schemas.microsoft.com/office/2006/metadata/properties" xmlns:xsi="http://www.w3.org/2001/XMLSchema-instance" xmlns:pc="http://schemas.microsoft.com/office/infopath/2007/PartnerControls">
   <documentManagement>
     <lcf76f155ced4ddcb4097134ff3c332f xmlns="27c54064-dfe0-4b79-bd20-5c123c2ef50b">
@@ -7128,19 +7152,7 @@
 </p:properties>
 </file>
 
-<file path=customXml/item4.xml><?xml version="1.0" encoding="utf-8"?>
-<sisl xmlns:xsd="http://www.w3.org/2001/XMLSchema" xmlns:xsi="http://www.w3.org/2001/XMLSchema-instance" xmlns="http://www.boldonjames.com/2008/01/sie/internal/label" sislVersion="0" policy="a66f0b0a-e2d4-4059-810c-127573d4cb4e" origin="userSelected"/>
-</file>
-
 <file path=customXml/itemProps1.xml><?xml version="1.0" encoding="utf-8"?>
-<ds:datastoreItem xmlns:ds="http://schemas.openxmlformats.org/officeDocument/2006/customXml" ds:itemID="{A88F5762-323C-4C3E-8E45-DA372A5664EE}">
-  <ds:schemaRefs>
-    <ds:schemaRef ds:uri="http://schemas.microsoft.com/sharepoint/v3/contenttype/forms"/>
-  </ds:schemaRefs>
-</ds:datastoreItem>
-</file>
-
-<file path=customXml/itemProps2.xml><?xml version="1.0" encoding="utf-8"?>
 <ds:datastoreItem xmlns:ds="http://schemas.openxmlformats.org/officeDocument/2006/customXml" ds:itemID="{2BE1BF6B-46F3-4742-919D-91624F692825}">
   <ds:schemaRefs>
     <ds:schemaRef ds:uri="http://schemas.microsoft.com/office/2006/metadata/contentType"/>
@@ -7160,7 +7172,24 @@
 </ds:datastoreItem>
 </file>
 
+<file path=customXml/itemProps2.xml><?xml version="1.0" encoding="utf-8"?>
+<ds:datastoreItem xmlns:ds="http://schemas.openxmlformats.org/officeDocument/2006/customXml" ds:itemID="{A88F5762-323C-4C3E-8E45-DA372A5664EE}">
+  <ds:schemaRefs>
+    <ds:schemaRef ds:uri="http://schemas.microsoft.com/sharepoint/v3/contenttype/forms"/>
+  </ds:schemaRefs>
+</ds:datastoreItem>
+</file>
+
 <file path=customXml/itemProps3.xml><?xml version="1.0" encoding="utf-8"?>
+<ds:datastoreItem xmlns:ds="http://schemas.openxmlformats.org/officeDocument/2006/customXml" ds:itemID="{84FD87C5-98A4-4130-B86F-AE57C41A88CF}">
+  <ds:schemaRefs>
+    <ds:schemaRef ds:uri="http://www.w3.org/2001/XMLSchema"/>
+    <ds:schemaRef ds:uri="http://www.boldonjames.com/2008/01/sie/internal/label"/>
+  </ds:schemaRefs>
+</ds:datastoreItem>
+</file>
+
+<file path=customXml/itemProps4.xml><?xml version="1.0" encoding="utf-8"?>
 <ds:datastoreItem xmlns:ds="http://schemas.openxmlformats.org/officeDocument/2006/customXml" ds:itemID="{EC8B2520-358E-4A3D-BEAC-641D792A72D4}">
   <ds:schemaRefs>
     <ds:schemaRef ds:uri="http://purl.org/dc/dcmitype/"/>
@@ -7178,13 +7207,4 @@
     <ds:schemaRef ds:uri="372fa088-4b66-4617-950a-58110b5482bf"/>
   </ds:schemaRefs>
 </ds:datastoreItem>
-</file>
-
-<file path=customXml/itemProps4.xml><?xml version="1.0" encoding="utf-8"?>
-<ds:datastoreItem xmlns:ds="http://schemas.openxmlformats.org/officeDocument/2006/customXml" ds:itemID="{84FD87C5-98A4-4130-B86F-AE57C41A88CF}">
-  <ds:schemaRefs>
-    <ds:schemaRef ds:uri="http://www.w3.org/2001/XMLSchema"/>
-    <ds:schemaRef ds:uri="http://www.boldonjames.com/2008/01/sie/internal/label"/>
-  </ds:schemaRefs>
-</ds:datastoreItem>
 </file>